--- a/ql.io-01-24-2012-node-summit-final.pptx
+++ b/ql.io-01-24-2012-node-summit-final.pptx
@@ -228,7 +228,7 @@
           <a:p>
             <a:fld id="{B2836959-80EB-0048-9D29-98183997657B}" type="datetime1">
               <a:rPr lang="en-US" smtClean="0"/>
-              <a:t>1/24/12</a:t>
+              <a:t>1/26/12</a:t>
             </a:fld>
             <a:endParaRPr lang="en-US"/>
           </a:p>
@@ -394,7 +394,7 @@
           <a:p>
             <a:fld id="{4F258360-4485-E34B-8373-729E4974D576}" type="datetime1">
               <a:rPr lang="en-US" smtClean="0"/>
-              <a:t>1/24/12</a:t>
+              <a:t>1/26/12</a:t>
             </a:fld>
             <a:endParaRPr lang="en-US"/>
           </a:p>
@@ -852,7 +852,7 @@
           <a:p>
             <a:fld id="{DA062F02-F161-8A41-9116-D59A4A748077}" type="datetime1">
               <a:rPr lang="en-US" smtClean="0"/>
-              <a:t>1/24/12</a:t>
+              <a:t>1/26/12</a:t>
             </a:fld>
             <a:endParaRPr lang="en-US"/>
           </a:p>
@@ -1052,7 +1052,7 @@
           <a:p>
             <a:fld id="{B1521372-867F-A549-B65B-F5E6F77CA197}" type="datetime1">
               <a:rPr lang="en-US" smtClean="0"/>
-              <a:t>1/24/12</a:t>
+              <a:t>1/26/12</a:t>
             </a:fld>
             <a:endParaRPr lang="en-US"/>
           </a:p>
@@ -1252,7 +1252,7 @@
           <a:p>
             <a:fld id="{7CBAFE07-9A7D-7748-A641-078A283FDA45}" type="datetime1">
               <a:rPr lang="en-US" smtClean="0"/>
-              <a:t>1/24/12</a:t>
+              <a:t>1/26/12</a:t>
             </a:fld>
             <a:endParaRPr lang="en-US"/>
           </a:p>
@@ -1442,7 +1442,7 @@
           <a:p>
             <a:fld id="{3BB33FBC-BFB4-294C-A6A1-5F80886D5FDC}" type="datetime1">
               <a:rPr lang="en-US" smtClean="0"/>
-              <a:t>1/24/12</a:t>
+              <a:t>1/26/12</a:t>
             </a:fld>
             <a:endParaRPr lang="en-US"/>
           </a:p>
@@ -1708,7 +1708,7 @@
           <a:p>
             <a:fld id="{C7651701-DEE3-3340-BE0F-D3920EA9C142}" type="datetime1">
               <a:rPr lang="en-US" smtClean="0"/>
-              <a:t>1/24/12</a:t>
+              <a:t>1/26/12</a:t>
             </a:fld>
             <a:endParaRPr lang="en-US"/>
           </a:p>
@@ -2016,7 +2016,7 @@
           <a:p>
             <a:fld id="{EC07F4CA-A825-4944-B817-9D2D4CBDAB07}" type="datetime1">
               <a:rPr lang="en-US" smtClean="0"/>
-              <a:t>1/24/12</a:t>
+              <a:t>1/26/12</a:t>
             </a:fld>
             <a:endParaRPr lang="en-US"/>
           </a:p>
@@ -2458,7 +2458,7 @@
           <a:p>
             <a:fld id="{8CD30F93-DEF3-A144-9629-D7EA23D469BD}" type="datetime1">
               <a:rPr lang="en-US" smtClean="0"/>
-              <a:t>1/24/12</a:t>
+              <a:t>1/26/12</a:t>
             </a:fld>
             <a:endParaRPr lang="en-US"/>
           </a:p>
@@ -2596,7 +2596,7 @@
           <a:p>
             <a:fld id="{242EBE06-E800-0F40-95E9-7F6F66E23693}" type="datetime1">
               <a:rPr lang="en-US" smtClean="0"/>
-              <a:t>1/24/12</a:t>
+              <a:t>1/26/12</a:t>
             </a:fld>
             <a:endParaRPr lang="en-US"/>
           </a:p>
@@ -2711,7 +2711,7 @@
           <a:p>
             <a:fld id="{627AF0DF-3DC9-C841-8491-709C57E5A2BE}" type="datetime1">
               <a:rPr lang="en-US" smtClean="0"/>
-              <a:t>1/24/12</a:t>
+              <a:t>1/26/12</a:t>
             </a:fld>
             <a:endParaRPr lang="en-US"/>
           </a:p>
@@ -3008,7 +3008,7 @@
           <a:p>
             <a:fld id="{0782464B-EF86-0044-BEB2-EBBA05DDD861}" type="datetime1">
               <a:rPr lang="en-US" smtClean="0"/>
-              <a:t>1/24/12</a:t>
+              <a:t>1/26/12</a:t>
             </a:fld>
             <a:endParaRPr lang="en-US"/>
           </a:p>
@@ -3281,7 +3281,7 @@
           <a:p>
             <a:fld id="{B8645615-CA16-0E4C-9E49-BA27CBFE3F53}" type="datetime1">
               <a:rPr lang="en-US" smtClean="0"/>
-              <a:t>1/24/12</a:t>
+              <a:t>1/26/12</a:t>
             </a:fld>
             <a:endParaRPr lang="en-US"/>
           </a:p>
@@ -13568,7 +13568,14 @@
                 <a:latin typeface="Calibri"/>
                 <a:cs typeface="Calibri"/>
               </a:rPr>
-              <a:t>Home Come?</a:t>
+              <a:t>How </a:t>
+            </a:r>
+            <a:r>
+              <a:rPr lang="en-US" sz="11500" dirty="0" smtClean="0">
+                <a:latin typeface="Calibri"/>
+                <a:cs typeface="Calibri"/>
+              </a:rPr>
+              <a:t>Come?</a:t>
             </a:r>
             <a:endParaRPr lang="en-US" sz="11500" dirty="0">
               <a:latin typeface="Calibri"/>
